--- a/files/teaching-resources/concordiacollege-bus-201/bus-201-lecture-note/bus201-ch08.pptx
+++ b/files/teaching-resources/concordiacollege-bus-201/bus-201-lecture-note/bus201-ch08.pptx
@@ -238,7 +238,7 @@
           <a:p>
             <a:fld id="{2D359EC7-19C7-4638-A61A-0E2B59861576}" type="datetimeFigureOut">
               <a:rPr lang="en-US" smtClean="0"/>
-              <a:t>10/5/2025</a:t>
+              <a:t>10/10/2025</a:t>
             </a:fld>
             <a:endParaRPr lang="en-US"/>
           </a:p>
@@ -1053,7 +1053,7 @@
           <a:p>
             <a:fld id="{5BCAD085-E8A6-8845-BD4E-CB4CCA059FC4}" type="datetimeFigureOut">
               <a:rPr lang="en-US" smtClean="0"/>
-              <a:t>10/5/2025</a:t>
+              <a:t>10/10/2025</a:t>
             </a:fld>
             <a:endParaRPr lang="en-US"/>
           </a:p>
@@ -1221,7 +1221,7 @@
           <a:p>
             <a:fld id="{5BCAD085-E8A6-8845-BD4E-CB4CCA059FC4}" type="datetimeFigureOut">
               <a:rPr lang="en-US" smtClean="0"/>
-              <a:t>10/5/2025</a:t>
+              <a:t>10/10/2025</a:t>
             </a:fld>
             <a:endParaRPr lang="en-US"/>
           </a:p>
@@ -1399,7 +1399,7 @@
           <a:p>
             <a:fld id="{5BCAD085-E8A6-8845-BD4E-CB4CCA059FC4}" type="datetimeFigureOut">
               <a:rPr lang="en-US" smtClean="0"/>
-              <a:t>10/5/2025</a:t>
+              <a:t>10/10/2025</a:t>
             </a:fld>
             <a:endParaRPr lang="en-US"/>
           </a:p>
@@ -1567,7 +1567,7 @@
           <a:p>
             <a:fld id="{5BCAD085-E8A6-8845-BD4E-CB4CCA059FC4}" type="datetimeFigureOut">
               <a:rPr lang="en-US" smtClean="0"/>
-              <a:t>10/5/2025</a:t>
+              <a:t>10/10/2025</a:t>
             </a:fld>
             <a:endParaRPr lang="en-US"/>
           </a:p>
@@ -1812,7 +1812,7 @@
           <a:p>
             <a:fld id="{5BCAD085-E8A6-8845-BD4E-CB4CCA059FC4}" type="datetimeFigureOut">
               <a:rPr lang="en-US" smtClean="0"/>
-              <a:t>10/5/2025</a:t>
+              <a:t>10/10/2025</a:t>
             </a:fld>
             <a:endParaRPr lang="en-US"/>
           </a:p>
@@ -2097,7 +2097,7 @@
           <a:p>
             <a:fld id="{5BCAD085-E8A6-8845-BD4E-CB4CCA059FC4}" type="datetimeFigureOut">
               <a:rPr lang="en-US" smtClean="0"/>
-              <a:t>10/5/2025</a:t>
+              <a:t>10/10/2025</a:t>
             </a:fld>
             <a:endParaRPr lang="en-US"/>
           </a:p>
@@ -2516,7 +2516,7 @@
           <a:p>
             <a:fld id="{5BCAD085-E8A6-8845-BD4E-CB4CCA059FC4}" type="datetimeFigureOut">
               <a:rPr lang="en-US" smtClean="0"/>
-              <a:t>10/5/2025</a:t>
+              <a:t>10/10/2025</a:t>
             </a:fld>
             <a:endParaRPr lang="en-US"/>
           </a:p>
@@ -2633,7 +2633,7 @@
           <a:p>
             <a:fld id="{5BCAD085-E8A6-8845-BD4E-CB4CCA059FC4}" type="datetimeFigureOut">
               <a:rPr lang="en-US" smtClean="0"/>
-              <a:t>10/5/2025</a:t>
+              <a:t>10/10/2025</a:t>
             </a:fld>
             <a:endParaRPr lang="en-US"/>
           </a:p>
@@ -2728,7 +2728,7 @@
           <a:p>
             <a:fld id="{5BCAD085-E8A6-8845-BD4E-CB4CCA059FC4}" type="datetimeFigureOut">
               <a:rPr lang="en-US" smtClean="0"/>
-              <a:t>10/5/2025</a:t>
+              <a:t>10/10/2025</a:t>
             </a:fld>
             <a:endParaRPr lang="en-US"/>
           </a:p>
@@ -3003,7 +3003,7 @@
           <a:p>
             <a:fld id="{5BCAD085-E8A6-8845-BD4E-CB4CCA059FC4}" type="datetimeFigureOut">
               <a:rPr lang="en-US" smtClean="0"/>
-              <a:t>10/5/2025</a:t>
+              <a:t>10/10/2025</a:t>
             </a:fld>
             <a:endParaRPr lang="en-US"/>
           </a:p>
@@ -3255,7 +3255,7 @@
           <a:p>
             <a:fld id="{5BCAD085-E8A6-8845-BD4E-CB4CCA059FC4}" type="datetimeFigureOut">
               <a:rPr lang="en-US" smtClean="0"/>
-              <a:t>10/5/2025</a:t>
+              <a:t>10/10/2025</a:t>
             </a:fld>
             <a:endParaRPr lang="en-US"/>
           </a:p>
@@ -3466,7 +3466,7 @@
           <a:p>
             <a:fld id="{5BCAD085-E8A6-8845-BD4E-CB4CCA059FC4}" type="datetimeFigureOut">
               <a:rPr lang="en-US" smtClean="0"/>
-              <a:t>10/5/2025</a:t>
+              <a:t>10/10/2025</a:t>
             </a:fld>
             <a:endParaRPr lang="en-US"/>
           </a:p>
@@ -11608,6 +11608,92 @@
   <p:clrMapOvr>
     <a:masterClrMapping/>
   </p:clrMapOvr>
+  <p:timing>
+    <p:tnLst>
+      <p:par>
+        <p:cTn id="1" dur="indefinite" restart="never" nodeType="tmRoot">
+          <p:childTnLst>
+            <p:seq concurrent="1" nextAc="seek">
+              <p:cTn id="2" dur="indefinite" nodeType="mainSeq">
+                <p:childTnLst>
+                  <p:par>
+                    <p:cTn id="3" fill="hold">
+                      <p:stCondLst>
+                        <p:cond delay="indefinite"/>
+                        <p:cond evt="onBegin" delay="0">
+                          <p:tn val="2"/>
+                        </p:cond>
+                      </p:stCondLst>
+                      <p:childTnLst>
+                        <p:par>
+                          <p:cTn id="4" fill="hold">
+                            <p:stCondLst>
+                              <p:cond delay="0"/>
+                            </p:stCondLst>
+                            <p:childTnLst>
+                              <p:par>
+                                <p:cTn id="5" presetID="10" presetClass="entr" presetSubtype="0" fill="hold" nodeType="withEffect">
+                                  <p:stCondLst>
+                                    <p:cond delay="0"/>
+                                  </p:stCondLst>
+                                  <p:childTnLst>
+                                    <p:set>
+                                      <p:cBhvr>
+                                        <p:cTn id="6" dur="1" fill="hold">
+                                          <p:stCondLst>
+                                            <p:cond delay="0"/>
+                                          </p:stCondLst>
+                                        </p:cTn>
+                                        <p:tgtEl>
+                                          <p:spTgt spid="1026"/>
+                                        </p:tgtEl>
+                                        <p:attrNameLst>
+                                          <p:attrName>style.visibility</p:attrName>
+                                        </p:attrNameLst>
+                                      </p:cBhvr>
+                                      <p:to>
+                                        <p:strVal val="visible"/>
+                                      </p:to>
+                                    </p:set>
+                                    <p:animEffect transition="in" filter="fade">
+                                      <p:cBhvr>
+                                        <p:cTn id="7" dur="500"/>
+                                        <p:tgtEl>
+                                          <p:spTgt spid="1026"/>
+                                        </p:tgtEl>
+                                      </p:cBhvr>
+                                    </p:animEffect>
+                                  </p:childTnLst>
+                                </p:cTn>
+                              </p:par>
+                            </p:childTnLst>
+                          </p:cTn>
+                        </p:par>
+                      </p:childTnLst>
+                    </p:cTn>
+                  </p:par>
+                </p:childTnLst>
+              </p:cTn>
+              <p:prevCondLst>
+                <p:cond evt="onPrev" delay="0">
+                  <p:tgtEl>
+                    <p:sldTgt/>
+                  </p:tgtEl>
+                </p:cond>
+              </p:prevCondLst>
+              <p:nextCondLst>
+                <p:cond evt="onNext" delay="0">
+                  <p:tgtEl>
+                    <p:sldTgt/>
+                  </p:tgtEl>
+                </p:cond>
+              </p:nextCondLst>
+            </p:seq>
+          </p:childTnLst>
+        </p:cTn>
+      </p:par>
+    </p:tnLst>
+  </p:timing>
 </p:sld>
 </file>
 
